--- a/Documents/PPTs/Review1.pptx
+++ b/Documents/PPTs/Review1.pptx
@@ -5,7 +5,7 @@
     <p:sldMasterId id="2147483684" r:id="rId1"/>
   </p:sldMasterIdLst>
   <p:notesMasterIdLst>
-    <p:notesMasterId r:id="rId12"/>
+    <p:notesMasterId r:id="rId16"/>
   </p:notesMasterIdLst>
   <p:sldIdLst>
     <p:sldId id="256" r:id="rId2"/>
@@ -16,8 +16,12 @@
     <p:sldId id="262" r:id="rId7"/>
     <p:sldId id="265" r:id="rId8"/>
     <p:sldId id="266" r:id="rId9"/>
-    <p:sldId id="267" r:id="rId10"/>
-    <p:sldId id="264" r:id="rId11"/>
+    <p:sldId id="268" r:id="rId10"/>
+    <p:sldId id="269" r:id="rId11"/>
+    <p:sldId id="270" r:id="rId12"/>
+    <p:sldId id="271" r:id="rId13"/>
+    <p:sldId id="267" r:id="rId14"/>
+    <p:sldId id="264" r:id="rId15"/>
   </p:sldIdLst>
   <p:sldSz cx="9144000" cy="6858000" type="screen4x3"/>
   <p:notesSz cx="6858000" cy="9144000"/>
@@ -217,7 +221,7 @@
           <a:p>
             <a:fld id="{164D2D71-B607-45D6-B138-3D4341F4372F}" type="datetimeFigureOut">
               <a:rPr lang="en-US" smtClean="0"/>
-              <a:t>2/13/2017</a:t>
+              <a:t>14-Mar-17</a:t>
             </a:fld>
             <a:endParaRPr lang="en-US"/>
           </a:p>
@@ -720,7 +724,7 @@
           <a:p>
             <a:fld id="{E50C5672-705F-4304-BFCD-6BC16AD80C2B}" type="slidenum">
               <a:rPr lang="en-US" smtClean="0"/>
-              <a:t>10</a:t>
+              <a:t>14</a:t>
             </a:fld>
             <a:endParaRPr lang="en-US"/>
           </a:p>
@@ -873,7 +877,7 @@
           <a:p>
             <a:fld id="{C9450602-A803-4D7C-B123-BCD1991CB556}" type="datetimeFigureOut">
               <a:rPr lang="en-US" smtClean="0"/>
-              <a:t>2/13/2017</a:t>
+              <a:t>14-Mar-17</a:t>
             </a:fld>
             <a:endParaRPr lang="en-US"/>
           </a:p>
@@ -1186,7 +1190,7 @@
           <a:p>
             <a:fld id="{C9450602-A803-4D7C-B123-BCD1991CB556}" type="datetimeFigureOut">
               <a:rPr lang="en-US" smtClean="0"/>
-              <a:t>2/13/2017</a:t>
+              <a:t>14-Mar-17</a:t>
             </a:fld>
             <a:endParaRPr lang="en-US"/>
           </a:p>
@@ -1371,7 +1375,7 @@
           <a:p>
             <a:fld id="{C9450602-A803-4D7C-B123-BCD1991CB556}" type="datetimeFigureOut">
               <a:rPr lang="en-US" smtClean="0"/>
-              <a:t>2/13/2017</a:t>
+              <a:t>14-Mar-17</a:t>
             </a:fld>
             <a:endParaRPr lang="en-US"/>
           </a:p>
@@ -1546,7 +1550,7 @@
           <a:p>
             <a:fld id="{C9450602-A803-4D7C-B123-BCD1991CB556}" type="datetimeFigureOut">
               <a:rPr lang="en-US" smtClean="0"/>
-              <a:t>2/13/2017</a:t>
+              <a:t>14-Mar-17</a:t>
             </a:fld>
             <a:endParaRPr lang="en-US"/>
           </a:p>
@@ -1814,7 +1818,7 @@
           <a:p>
             <a:fld id="{C9450602-A803-4D7C-B123-BCD1991CB556}" type="datetimeFigureOut">
               <a:rPr lang="en-US" smtClean="0"/>
-              <a:t>2/13/2017</a:t>
+              <a:t>14-Mar-17</a:t>
             </a:fld>
             <a:endParaRPr lang="en-US"/>
           </a:p>
@@ -2282,7 +2286,7 @@
           <a:p>
             <a:fld id="{C9450602-A803-4D7C-B123-BCD1991CB556}" type="datetimeFigureOut">
               <a:rPr lang="en-US" smtClean="0"/>
-              <a:t>2/13/2017</a:t>
+              <a:t>14-Mar-17</a:t>
             </a:fld>
             <a:endParaRPr lang="en-US"/>
           </a:p>
@@ -2771,7 +2775,7 @@
           <a:p>
             <a:fld id="{C9450602-A803-4D7C-B123-BCD1991CB556}" type="datetimeFigureOut">
               <a:rPr lang="en-US" smtClean="0"/>
-              <a:t>2/13/2017</a:t>
+              <a:t>14-Mar-17</a:t>
             </a:fld>
             <a:endParaRPr lang="en-US"/>
           </a:p>
@@ -2897,7 +2901,7 @@
           <a:p>
             <a:fld id="{C9450602-A803-4D7C-B123-BCD1991CB556}" type="datetimeFigureOut">
               <a:rPr lang="en-US" smtClean="0"/>
-              <a:t>2/13/2017</a:t>
+              <a:t>14-Mar-17</a:t>
             </a:fld>
             <a:endParaRPr lang="en-US"/>
           </a:p>
@@ -3041,7 +3045,7 @@
           <a:p>
             <a:fld id="{C9450602-A803-4D7C-B123-BCD1991CB556}" type="datetimeFigureOut">
               <a:rPr lang="en-US" smtClean="0"/>
-              <a:t>2/13/2017</a:t>
+              <a:t>14-Mar-17</a:t>
             </a:fld>
             <a:endParaRPr lang="en-US"/>
           </a:p>
@@ -3363,7 +3367,7 @@
           <a:p>
             <a:fld id="{C9450602-A803-4D7C-B123-BCD1991CB556}" type="datetimeFigureOut">
               <a:rPr lang="en-US" smtClean="0"/>
-              <a:t>2/13/2017</a:t>
+              <a:t>14-Mar-17</a:t>
             </a:fld>
             <a:endParaRPr lang="en-US"/>
           </a:p>
@@ -3497,7 +3501,7 @@
           <a:p>
             <a:fld id="{C9450602-A803-4D7C-B123-BCD1991CB556}" type="datetimeFigureOut">
               <a:rPr lang="en-US" smtClean="0"/>
-              <a:t>2/13/2017</a:t>
+              <a:t>14-Mar-17</a:t>
             </a:fld>
             <a:endParaRPr lang="en-US"/>
           </a:p>
@@ -4278,7 +4282,7 @@
           <a:p>
             <a:fld id="{C9450602-A803-4D7C-B123-BCD1991CB556}" type="datetimeFigureOut">
               <a:rPr lang="en-US" smtClean="0"/>
-              <a:t>2/13/2017</a:t>
+              <a:t>14-Mar-17</a:t>
             </a:fld>
             <a:endParaRPr lang="en-US"/>
           </a:p>
@@ -5084,12 +5088,515 @@
             <p:ph type="title"/>
           </p:nvPr>
         </p:nvSpPr>
-        <p:spPr>
-          <a:xfrm>
-            <a:off x="1143000" y="137319"/>
-            <a:ext cx="7498080" cy="563562"/>
-          </a:xfrm>
-        </p:spPr>
+        <p:spPr/>
+        <p:txBody>
+          <a:bodyPr/>
+          <a:lstStyle/>
+          <a:p>
+            <a:r>
+              <a:rPr lang="en-US" dirty="0" smtClean="0"/>
+              <a:t>HMM Implementation </a:t>
+            </a:r>
+            <a:endParaRPr lang="en-US" dirty="0"/>
+          </a:p>
+        </p:txBody>
+      </p:sp>
+      <p:sp>
+        <p:nvSpPr>
+          <p:cNvPr id="3" name="Content Placeholder 2"/>
+          <p:cNvSpPr>
+            <a:spLocks noGrp="1"/>
+          </p:cNvSpPr>
+          <p:nvPr>
+            <p:ph idx="1"/>
+          </p:nvPr>
+        </p:nvSpPr>
+        <p:spPr/>
+        <p:txBody>
+          <a:bodyPr/>
+          <a:lstStyle/>
+          <a:p>
+            <a:r>
+              <a:rPr lang="en-US" dirty="0" smtClean="0"/>
+              <a:t>We are using the maximum probability concept to find out the next outcome.</a:t>
+            </a:r>
+          </a:p>
+          <a:p>
+            <a:r>
+              <a:rPr lang="en-US" dirty="0" smtClean="0"/>
+              <a:t>Input:</a:t>
+            </a:r>
+          </a:p>
+          <a:p>
+            <a:pPr lvl="1"/>
+            <a:r>
+              <a:rPr lang="en-US" dirty="0" smtClean="0"/>
+              <a:t>A = state matrix</a:t>
+            </a:r>
+          </a:p>
+          <a:p>
+            <a:pPr lvl="1"/>
+            <a:r>
+              <a:rPr lang="en-US" dirty="0" smtClean="0"/>
+              <a:t>B = observation matrix</a:t>
+            </a:r>
+          </a:p>
+          <a:p>
+            <a:pPr lvl="1"/>
+            <a:r>
+              <a:rPr lang="en-US" dirty="0" smtClean="0"/>
+              <a:t>T = number of events</a:t>
+            </a:r>
+          </a:p>
+          <a:p>
+            <a:pPr lvl="1"/>
+            <a:r>
+              <a:rPr lang="en-US" dirty="0" smtClean="0"/>
+              <a:t>Pi = initial matrix (individual matrix)</a:t>
+            </a:r>
+          </a:p>
+          <a:p>
+            <a:pPr lvl="1"/>
+            <a:r>
+              <a:rPr lang="en-US" dirty="0" smtClean="0"/>
+              <a:t>O(t</a:t>
+            </a:r>
+            <a:r>
+              <a:rPr lang="en-US" baseline="-25000" dirty="0" smtClean="0"/>
+              <a:t>0</a:t>
+            </a:r>
+            <a:r>
+              <a:rPr lang="en-US" dirty="0" smtClean="0"/>
+              <a:t>,t</a:t>
+            </a:r>
+            <a:r>
+              <a:rPr lang="en-US" baseline="-25000" dirty="0" smtClean="0"/>
+              <a:t>T</a:t>
+            </a:r>
+            <a:r>
+              <a:rPr lang="en-US" dirty="0" smtClean="0"/>
+              <a:t>) = observation </a:t>
+            </a:r>
+            <a:endParaRPr lang="en-US" baseline="-25000" dirty="0"/>
+          </a:p>
+        </p:txBody>
+      </p:sp>
+    </p:spTree>
+    <p:extLst>
+      <p:ext uri="{BB962C8B-B14F-4D97-AF65-F5344CB8AC3E}">
+        <p14:creationId xmlns:p14="http://schemas.microsoft.com/office/powerpoint/2010/main" val="1758160922"/>
+      </p:ext>
+    </p:extLst>
+  </p:cSld>
+  <p:clrMapOvr>
+    <a:masterClrMapping/>
+  </p:clrMapOvr>
+</p:sld>
+</file>
+
+<file path=ppt/slides/slide11.xml><?xml version="1.0" encoding="utf-8"?>
+<p:sld xmlns:a="http://schemas.openxmlformats.org/drawingml/2006/main" xmlns:r="http://schemas.openxmlformats.org/officeDocument/2006/relationships" xmlns:p="http://schemas.openxmlformats.org/presentationml/2006/main">
+  <p:cSld>
+    <p:spTree>
+      <p:nvGrpSpPr>
+        <p:cNvPr id="1" name=""/>
+        <p:cNvGrpSpPr/>
+        <p:nvPr/>
+      </p:nvGrpSpPr>
+      <p:grpSpPr>
+        <a:xfrm>
+          <a:off x="0" y="0"/>
+          <a:ext cx="0" cy="0"/>
+          <a:chOff x="0" y="0"/>
+          <a:chExt cx="0" cy="0"/>
+        </a:xfrm>
+      </p:grpSpPr>
+      <p:sp>
+        <p:nvSpPr>
+          <p:cNvPr id="2" name="Title 1"/>
+          <p:cNvSpPr>
+            <a:spLocks noGrp="1"/>
+          </p:cNvSpPr>
+          <p:nvPr>
+            <p:ph type="title"/>
+          </p:nvPr>
+        </p:nvSpPr>
+        <p:spPr/>
+        <p:txBody>
+          <a:bodyPr/>
+          <a:lstStyle/>
+          <a:p>
+            <a:r>
+              <a:rPr lang="en-US" dirty="0" smtClean="0"/>
+              <a:t>Logic Used</a:t>
+            </a:r>
+            <a:endParaRPr lang="en-US" dirty="0"/>
+          </a:p>
+        </p:txBody>
+      </p:sp>
+      <p:sp>
+        <p:nvSpPr>
+          <p:cNvPr id="3" name="Content Placeholder 2"/>
+          <p:cNvSpPr>
+            <a:spLocks noGrp="1"/>
+          </p:cNvSpPr>
+          <p:nvPr>
+            <p:ph idx="1"/>
+          </p:nvPr>
+        </p:nvSpPr>
+        <p:spPr/>
+        <p:txBody>
+          <a:bodyPr/>
+          <a:lstStyle/>
+          <a:p>
+            <a:r>
+              <a:rPr lang="en-US" dirty="0"/>
+              <a:t>P(X;O) = </a:t>
+            </a:r>
+            <a:r>
+              <a:rPr lang="en-US" dirty="0" smtClean="0"/>
+              <a:t>pi</a:t>
+            </a:r>
+            <a:r>
+              <a:rPr lang="en-US" baseline="-25000" dirty="0" smtClean="0"/>
+              <a:t>x0</a:t>
+            </a:r>
+            <a:r>
+              <a:rPr lang="en-US" dirty="0" smtClean="0"/>
+              <a:t>b</a:t>
+            </a:r>
+            <a:r>
+              <a:rPr lang="en-US" baseline="-25000" dirty="0" smtClean="0"/>
+              <a:t>x0</a:t>
+            </a:r>
+            <a:r>
+              <a:rPr lang="en-US" dirty="0" smtClean="0"/>
+              <a:t>(O</a:t>
+            </a:r>
+            <a:r>
+              <a:rPr lang="en-US" baseline="-25000" dirty="0" smtClean="0"/>
+              <a:t>0</a:t>
+            </a:r>
+            <a:r>
+              <a:rPr lang="en-US" dirty="0" smtClean="0"/>
+              <a:t>)a</a:t>
+            </a:r>
+            <a:r>
+              <a:rPr lang="en-US" baseline="-25000" dirty="0" smtClean="0"/>
+              <a:t>x0,x1</a:t>
+            </a:r>
+            <a:r>
+              <a:rPr lang="en-US" dirty="0" smtClean="0"/>
+              <a:t>b</a:t>
+            </a:r>
+            <a:r>
+              <a:rPr lang="en-US" baseline="-25000" dirty="0" smtClean="0"/>
+              <a:t>x1</a:t>
+            </a:r>
+            <a:r>
+              <a:rPr lang="en-US" dirty="0" smtClean="0"/>
+              <a:t>(O</a:t>
+            </a:r>
+            <a:r>
+              <a:rPr lang="en-US" baseline="-25000" dirty="0" smtClean="0"/>
+              <a:t>1</a:t>
+            </a:r>
+            <a:r>
+              <a:rPr lang="en-US" dirty="0" smtClean="0"/>
+              <a:t>)a</a:t>
+            </a:r>
+            <a:r>
+              <a:rPr lang="en-US" baseline="-25000" dirty="0" smtClean="0"/>
+              <a:t>x1,x2</a:t>
+            </a:r>
+            <a:r>
+              <a:rPr lang="en-US" dirty="0" smtClean="0"/>
+              <a:t>b</a:t>
+            </a:r>
+            <a:r>
+              <a:rPr lang="en-US" baseline="-25000" dirty="0" smtClean="0"/>
+              <a:t>x2</a:t>
+            </a:r>
+            <a:r>
+              <a:rPr lang="en-US" dirty="0" smtClean="0"/>
+              <a:t>(O</a:t>
+            </a:r>
+            <a:r>
+              <a:rPr lang="en-US" baseline="-25000" dirty="0" smtClean="0"/>
+              <a:t>2</a:t>
+            </a:r>
+            <a:r>
+              <a:rPr lang="en-US" dirty="0" smtClean="0"/>
+              <a:t>)a</a:t>
+            </a:r>
+            <a:r>
+              <a:rPr lang="en-US" baseline="-25000" dirty="0" smtClean="0"/>
+              <a:t>x2,x3</a:t>
+            </a:r>
+            <a:r>
+              <a:rPr lang="en-US" dirty="0" smtClean="0"/>
+              <a:t>b</a:t>
+            </a:r>
+            <a:r>
+              <a:rPr lang="en-US" baseline="-25000" dirty="0" smtClean="0"/>
+              <a:t>x3</a:t>
+            </a:r>
+            <a:r>
+              <a:rPr lang="en-US" dirty="0" smtClean="0"/>
+              <a:t>(O</a:t>
+            </a:r>
+            <a:r>
+              <a:rPr lang="en-US" baseline="-25000" dirty="0" smtClean="0"/>
+              <a:t>3</a:t>
+            </a:r>
+            <a:r>
+              <a:rPr lang="en-US" dirty="0" smtClean="0"/>
+              <a:t>)</a:t>
+            </a:r>
+          </a:p>
+          <a:p>
+            <a:endParaRPr lang="en-US" dirty="0"/>
+          </a:p>
+          <a:p>
+            <a:r>
+              <a:rPr lang="en-US" dirty="0" smtClean="0"/>
+              <a:t>Where X = {x</a:t>
+            </a:r>
+            <a:r>
+              <a:rPr lang="en-US" baseline="-25000" dirty="0" smtClean="0"/>
+              <a:t>0</a:t>
+            </a:r>
+            <a:r>
+              <a:rPr lang="en-US" dirty="0" smtClean="0"/>
+              <a:t>,x</a:t>
+            </a:r>
+            <a:r>
+              <a:rPr lang="en-US" baseline="-25000" dirty="0" smtClean="0"/>
+              <a:t>1</a:t>
+            </a:r>
+            <a:r>
+              <a:rPr lang="en-US" dirty="0" smtClean="0"/>
+              <a:t>,x</a:t>
+            </a:r>
+            <a:r>
+              <a:rPr lang="en-US" baseline="-25000" dirty="0" smtClean="0"/>
+              <a:t>2</a:t>
+            </a:r>
+            <a:r>
+              <a:rPr lang="en-US" dirty="0" smtClean="0"/>
+              <a:t>,x</a:t>
+            </a:r>
+            <a:r>
+              <a:rPr lang="en-US" baseline="-25000" dirty="0" smtClean="0"/>
+              <a:t>3</a:t>
+            </a:r>
+            <a:r>
+              <a:rPr lang="en-US" dirty="0" smtClean="0"/>
+              <a:t>} =&gt; states</a:t>
+            </a:r>
+          </a:p>
+          <a:p>
+            <a:pPr marL="82296" indent="0">
+              <a:buNone/>
+            </a:pPr>
+            <a:endParaRPr lang="en-US" dirty="0" smtClean="0"/>
+          </a:p>
+          <a:p>
+            <a:r>
+              <a:rPr lang="en-US" dirty="0" smtClean="0"/>
+              <a:t>O = {</a:t>
+            </a:r>
+            <a:r>
+              <a:rPr lang="en-US" dirty="0"/>
+              <a:t>o</a:t>
+            </a:r>
+            <a:r>
+              <a:rPr lang="en-US" baseline="-25000" dirty="0" smtClean="0"/>
+              <a:t>0</a:t>
+            </a:r>
+            <a:r>
+              <a:rPr lang="en-US" dirty="0" smtClean="0"/>
+              <a:t>,o</a:t>
+            </a:r>
+            <a:r>
+              <a:rPr lang="en-US" baseline="-25000" dirty="0" smtClean="0"/>
+              <a:t>1</a:t>
+            </a:r>
+            <a:r>
+              <a:rPr lang="en-US" dirty="0" smtClean="0"/>
+              <a:t>,o</a:t>
+            </a:r>
+            <a:r>
+              <a:rPr lang="en-US" baseline="-25000" dirty="0" smtClean="0"/>
+              <a:t>2</a:t>
+            </a:r>
+            <a:r>
+              <a:rPr lang="en-US" dirty="0" smtClean="0"/>
+              <a:t>,o</a:t>
+            </a:r>
+            <a:r>
+              <a:rPr lang="en-US" baseline="-25000" dirty="0" smtClean="0"/>
+              <a:t>3</a:t>
+            </a:r>
+            <a:r>
+              <a:rPr lang="en-US" dirty="0" smtClean="0"/>
+              <a:t>} =&gt; observation </a:t>
+            </a:r>
+            <a:endParaRPr lang="en-US" dirty="0"/>
+          </a:p>
+        </p:txBody>
+      </p:sp>
+    </p:spTree>
+    <p:extLst>
+      <p:ext uri="{BB962C8B-B14F-4D97-AF65-F5344CB8AC3E}">
+        <p14:creationId xmlns:p14="http://schemas.microsoft.com/office/powerpoint/2010/main" val="3524673873"/>
+      </p:ext>
+    </p:extLst>
+  </p:cSld>
+  <p:clrMapOvr>
+    <a:masterClrMapping/>
+  </p:clrMapOvr>
+</p:sld>
+</file>
+
+<file path=ppt/slides/slide12.xml><?xml version="1.0" encoding="utf-8"?>
+<p:sld xmlns:a="http://schemas.openxmlformats.org/drawingml/2006/main" xmlns:r="http://schemas.openxmlformats.org/officeDocument/2006/relationships" xmlns:p="http://schemas.openxmlformats.org/presentationml/2006/main">
+  <p:cSld>
+    <p:spTree>
+      <p:nvGrpSpPr>
+        <p:cNvPr id="1" name=""/>
+        <p:cNvGrpSpPr/>
+        <p:nvPr/>
+      </p:nvGrpSpPr>
+      <p:grpSpPr>
+        <a:xfrm>
+          <a:off x="0" y="0"/>
+          <a:ext cx="0" cy="0"/>
+          <a:chOff x="0" y="0"/>
+          <a:chExt cx="0" cy="0"/>
+        </a:xfrm>
+      </p:grpSpPr>
+      <p:sp>
+        <p:nvSpPr>
+          <p:cNvPr id="2" name="Title 1"/>
+          <p:cNvSpPr>
+            <a:spLocks noGrp="1"/>
+          </p:cNvSpPr>
+          <p:nvPr>
+            <p:ph type="title"/>
+          </p:nvPr>
+        </p:nvSpPr>
+        <p:spPr/>
+        <p:txBody>
+          <a:bodyPr/>
+          <a:lstStyle/>
+          <a:p>
+            <a:r>
+              <a:rPr lang="en-US" dirty="0" smtClean="0"/>
+              <a:t>Analysis</a:t>
+            </a:r>
+            <a:endParaRPr lang="en-US" dirty="0"/>
+          </a:p>
+        </p:txBody>
+      </p:sp>
+      <p:sp>
+        <p:nvSpPr>
+          <p:cNvPr id="3" name="Content Placeholder 2"/>
+          <p:cNvSpPr>
+            <a:spLocks noGrp="1"/>
+          </p:cNvSpPr>
+          <p:nvPr>
+            <p:ph idx="1"/>
+          </p:nvPr>
+        </p:nvSpPr>
+        <p:spPr/>
+        <p:txBody>
+          <a:bodyPr/>
+          <a:lstStyle/>
+          <a:p>
+            <a:endParaRPr lang="en-US" dirty="0" smtClean="0"/>
+          </a:p>
+          <a:p>
+            <a:endParaRPr lang="en-US" dirty="0"/>
+          </a:p>
+          <a:p>
+            <a:pPr marL="82296" indent="0" algn="ctr">
+              <a:buNone/>
+            </a:pPr>
+            <a:r>
+              <a:rPr lang="en-US" dirty="0" smtClean="0">
+                <a:latin typeface="Times New Roman" panose="02020603050405020304" pitchFamily="18" charset="0"/>
+              </a:rPr>
+              <a:t>Demo</a:t>
+            </a:r>
+            <a:endParaRPr lang="en-US" dirty="0" smtClean="0"/>
+          </a:p>
+        </p:txBody>
+      </p:sp>
+    </p:spTree>
+    <p:extLst>
+      <p:ext uri="{BB962C8B-B14F-4D97-AF65-F5344CB8AC3E}">
+        <p14:creationId xmlns:p14="http://schemas.microsoft.com/office/powerpoint/2010/main" val="3897800215"/>
+      </p:ext>
+    </p:extLst>
+  </p:cSld>
+  <p:clrMapOvr>
+    <a:masterClrMapping/>
+  </p:clrMapOvr>
+</p:sld>
+</file>
+
+<file path=ppt/slides/slide13.xml><?xml version="1.0" encoding="utf-8"?>
+<p:sld xmlns:a="http://schemas.openxmlformats.org/drawingml/2006/main" xmlns:r="http://schemas.openxmlformats.org/officeDocument/2006/relationships" xmlns:p="http://schemas.openxmlformats.org/presentationml/2006/main">
+  <p:cSld>
+    <p:spTree>
+      <p:nvGrpSpPr>
+        <p:cNvPr id="1" name=""/>
+        <p:cNvGrpSpPr/>
+        <p:nvPr/>
+      </p:nvGrpSpPr>
+      <p:grpSpPr>
+        <a:xfrm>
+          <a:off x="0" y="0"/>
+          <a:ext cx="0" cy="0"/>
+          <a:chOff x="0" y="0"/>
+          <a:chExt cx="0" cy="0"/>
+        </a:xfrm>
+      </p:grpSpPr>
+      <p:sp>
+        <p:nvSpPr>
+          <p:cNvPr id="2" name="Title 1"/>
+          <p:cNvSpPr>
+            <a:spLocks noGrp="1"/>
+          </p:cNvSpPr>
+          <p:nvPr>
+            <p:ph type="title"/>
+          </p:nvPr>
+        </p:nvSpPr>
+        <p:spPr/>
+        <p:txBody>
+          <a:bodyPr/>
+          <a:lstStyle/>
+          <a:p>
+            <a:r>
+              <a:rPr lang="en-US" dirty="0" smtClean="0"/>
+              <a:t>References </a:t>
+            </a:r>
+            <a:endParaRPr lang="en-GB" dirty="0"/>
+          </a:p>
+        </p:txBody>
+      </p:sp>
+      <p:sp>
+        <p:nvSpPr>
+          <p:cNvPr id="3" name="Content Placeholder 2"/>
+          <p:cNvSpPr>
+            <a:spLocks noGrp="1"/>
+          </p:cNvSpPr>
+          <p:nvPr>
+            <p:ph idx="1"/>
+          </p:nvPr>
+        </p:nvSpPr>
+        <p:spPr/>
         <p:txBody>
           <a:bodyPr>
             <a:normAutofit/>
@@ -5097,6 +5604,144 @@
           <a:lstStyle/>
           <a:p>
             <a:r>
+              <a:rPr lang="en-GB" dirty="0">
+                <a:hlinkClick r:id="rId2"/>
+              </a:rPr>
+              <a:t>http://www.ecs.umass.edu/~</a:t>
+            </a:r>
+            <a:r>
+              <a:rPr lang="en-GB" dirty="0" smtClean="0">
+                <a:hlinkClick r:id="rId2"/>
+              </a:rPr>
+              <a:t>irwin/smartgridcomm.pdf</a:t>
+            </a:r>
+            <a:endParaRPr lang="en-GB" dirty="0" smtClean="0"/>
+          </a:p>
+          <a:p>
+            <a:r>
+              <a:rPr lang="en-GB" dirty="0">
+                <a:hlinkClick r:id="rId3"/>
+              </a:rPr>
+              <a:t>http://</a:t>
+            </a:r>
+            <a:r>
+              <a:rPr lang="en-GB" dirty="0" smtClean="0">
+                <a:hlinkClick r:id="rId3"/>
+              </a:rPr>
+              <a:t>www.sciencedirect.com/science/article/pii/S1878029612002575</a:t>
+            </a:r>
+            <a:endParaRPr lang="en-GB" dirty="0" smtClean="0"/>
+          </a:p>
+          <a:p>
+            <a:r>
+              <a:rPr lang="en-GB" dirty="0">
+                <a:hlinkClick r:id="rId4"/>
+              </a:rPr>
+              <a:t>http://</a:t>
+            </a:r>
+            <a:r>
+              <a:rPr lang="en-GB" dirty="0" smtClean="0">
+                <a:hlinkClick r:id="rId4"/>
+              </a:rPr>
+              <a:t>www.iaeng.org/publication/IMECS2013/IMECS2013_pp295-300.pdf</a:t>
+            </a:r>
+            <a:endParaRPr lang="en-GB" dirty="0" smtClean="0"/>
+          </a:p>
+          <a:p>
+            <a:r>
+              <a:rPr lang="en-GB" dirty="0">
+                <a:hlinkClick r:id="rId5"/>
+              </a:rPr>
+              <a:t>http://</a:t>
+            </a:r>
+            <a:r>
+              <a:rPr lang="en-GB" dirty="0" smtClean="0">
+                <a:hlinkClick r:id="rId5"/>
+              </a:rPr>
+              <a:t>research.ijcaonline.org/volume88/number15/pxc3893841.pdf</a:t>
+            </a:r>
+            <a:endParaRPr lang="en-GB" dirty="0" smtClean="0"/>
+          </a:p>
+          <a:p>
+            <a:r>
+              <a:rPr lang="en-GB" smtClean="0">
+                <a:hlinkClick r:id="rId6"/>
+              </a:rPr>
+              <a:t>https</a:t>
+            </a:r>
+            <a:r>
+              <a:rPr lang="en-GB" dirty="0" smtClean="0">
+                <a:hlinkClick r:id="rId6"/>
+              </a:rPr>
+              <a:t>://hpi.de/friedrich/docs/paper/RE1.pdf</a:t>
+            </a:r>
+            <a:endParaRPr lang="en-GB" dirty="0" smtClean="0"/>
+          </a:p>
+          <a:p>
+            <a:endParaRPr lang="en-GB" dirty="0"/>
+          </a:p>
+        </p:txBody>
+      </p:sp>
+    </p:spTree>
+    <p:extLst>
+      <p:ext uri="{BB962C8B-B14F-4D97-AF65-F5344CB8AC3E}">
+        <p14:creationId xmlns:p14="http://schemas.microsoft.com/office/powerpoint/2010/main" val="694253404"/>
+      </p:ext>
+    </p:extLst>
+  </p:cSld>
+  <p:clrMapOvr>
+    <a:masterClrMapping/>
+  </p:clrMapOvr>
+  <p:timing>
+    <p:tnLst>
+      <p:par>
+        <p:cTn id="1" dur="indefinite" restart="never" nodeType="tmRoot"/>
+      </p:par>
+    </p:tnLst>
+  </p:timing>
+</p:sld>
+</file>
+
+<file path=ppt/slides/slide14.xml><?xml version="1.0" encoding="utf-8"?>
+<p:sld xmlns:a="http://schemas.openxmlformats.org/drawingml/2006/main" xmlns:r="http://schemas.openxmlformats.org/officeDocument/2006/relationships" xmlns:p="http://schemas.openxmlformats.org/presentationml/2006/main">
+  <p:cSld>
+    <p:spTree>
+      <p:nvGrpSpPr>
+        <p:cNvPr id="1" name=""/>
+        <p:cNvGrpSpPr/>
+        <p:nvPr/>
+      </p:nvGrpSpPr>
+      <p:grpSpPr>
+        <a:xfrm>
+          <a:off x="0" y="0"/>
+          <a:ext cx="0" cy="0"/>
+          <a:chOff x="0" y="0"/>
+          <a:chExt cx="0" cy="0"/>
+        </a:xfrm>
+      </p:grpSpPr>
+      <p:sp>
+        <p:nvSpPr>
+          <p:cNvPr id="2" name="Title 1"/>
+          <p:cNvSpPr>
+            <a:spLocks noGrp="1"/>
+          </p:cNvSpPr>
+          <p:nvPr>
+            <p:ph type="title"/>
+          </p:nvPr>
+        </p:nvSpPr>
+        <p:spPr>
+          <a:xfrm>
+            <a:off x="1143000" y="137319"/>
+            <a:ext cx="7498080" cy="563562"/>
+          </a:xfrm>
+        </p:spPr>
+        <p:txBody>
+          <a:bodyPr>
+            <a:normAutofit/>
+          </a:bodyPr>
+          <a:lstStyle/>
+          <a:p>
+            <a:r>
               <a:rPr lang="en-US" sz="1400" dirty="0"/>
               <a:t>Prediction of Electricity Generation for Better Decision Making</a:t>
             </a:r>
@@ -5234,7 +5879,7 @@
           <a:p>
             <a:fld id="{4F0C3DD5-1546-4C69-8132-F8C0A16AEE31}" type="slidenum">
               <a:rPr lang="en-US" smtClean="0"/>
-              <a:t>10</a:t>
+              <a:t>14</a:t>
             </a:fld>
             <a:r>
               <a:rPr lang="en-US" dirty="0" smtClean="0"/>
@@ -5386,13 +6031,8 @@
             </a:pPr>
             <a:r>
               <a:rPr lang="en-US" sz="2400" dirty="0" smtClean="0"/>
-              <a:t>This project will extract data from past years and will analyze as well as predict the electric power generation keeping in mind the various parameters that directly or indirectly affects the sources of power generation</a:t>
-            </a:r>
-            <a:r>
-              <a:rPr lang="en-US" sz="2400" dirty="0" smtClean="0"/>
-              <a:t>.</a:t>
-            </a:r>
-            <a:endParaRPr lang="en-US" sz="2400" dirty="0" smtClean="0"/>
+              <a:t>This project will extract data from past years and will analyze as well as predict the electric power generation keeping in mind the various parameters that directly or indirectly affects the sources of power generation.</a:t>
+            </a:r>
           </a:p>
         </p:txBody>
       </p:sp>
@@ -7768,9 +8408,9 @@
           <a:p>
             <a:r>
               <a:rPr lang="en-US" dirty="0" smtClean="0"/>
-              <a:t>References </a:t>
-            </a:r>
-            <a:endParaRPr lang="en-GB" dirty="0"/>
+              <a:t>Implementation </a:t>
+            </a:r>
+            <a:endParaRPr lang="en-US" dirty="0"/>
           </a:p>
         </p:txBody>
       </p:sp>
@@ -7786,107 +8426,71 @@
         </p:nvSpPr>
         <p:spPr/>
         <p:txBody>
-          <a:bodyPr>
-            <a:normAutofit/>
-          </a:bodyPr>
+          <a:bodyPr/>
           <a:lstStyle/>
           <a:p>
             <a:r>
-              <a:rPr lang="en-GB" dirty="0">
-                <a:hlinkClick r:id="rId2"/>
-              </a:rPr>
-              <a:t>http://www.ecs.umass.edu/~</a:t>
-            </a:r>
-            <a:r>
-              <a:rPr lang="en-GB" dirty="0" smtClean="0">
-                <a:hlinkClick r:id="rId2"/>
-              </a:rPr>
-              <a:t>irwin/smartgridcomm.pdf</a:t>
-            </a:r>
-            <a:endParaRPr lang="en-GB" dirty="0" smtClean="0"/>
-          </a:p>
-          <a:p>
-            <a:r>
-              <a:rPr lang="en-GB" dirty="0">
-                <a:hlinkClick r:id="rId3"/>
-              </a:rPr>
-              <a:t>http://</a:t>
-            </a:r>
-            <a:r>
-              <a:rPr lang="en-GB" dirty="0" smtClean="0">
-                <a:hlinkClick r:id="rId3"/>
-              </a:rPr>
-              <a:t>www.sciencedirect.com/science/article/pii/S1878029612002575</a:t>
-            </a:r>
-            <a:endParaRPr lang="en-GB" dirty="0" smtClean="0"/>
-          </a:p>
-          <a:p>
-            <a:r>
-              <a:rPr lang="en-GB" dirty="0">
-                <a:hlinkClick r:id="rId4"/>
-              </a:rPr>
-              <a:t>http://</a:t>
-            </a:r>
-            <a:r>
-              <a:rPr lang="en-GB" dirty="0" smtClean="0">
-                <a:hlinkClick r:id="rId4"/>
-              </a:rPr>
-              <a:t>www.iaeng.org/publication/IMECS2013/IMECS2013_pp295-300.pdf</a:t>
-            </a:r>
-            <a:endParaRPr lang="en-GB" dirty="0" smtClean="0"/>
-          </a:p>
-          <a:p>
-            <a:r>
-              <a:rPr lang="en-GB" dirty="0">
-                <a:hlinkClick r:id="rId5"/>
-              </a:rPr>
-              <a:t>http://</a:t>
-            </a:r>
-            <a:r>
-              <a:rPr lang="en-GB" dirty="0" smtClean="0">
-                <a:hlinkClick r:id="rId5"/>
-              </a:rPr>
-              <a:t>research.ijcaonline.org/volume88/number15/pxc3893841.pdf</a:t>
-            </a:r>
-            <a:endParaRPr lang="en-GB" dirty="0" smtClean="0"/>
-          </a:p>
-          <a:p>
-            <a:r>
-              <a:rPr lang="en-GB" smtClean="0">
-                <a:hlinkClick r:id="rId6"/>
-              </a:rPr>
-              <a:t>https</a:t>
-            </a:r>
-            <a:r>
-              <a:rPr lang="en-GB" dirty="0" smtClean="0">
-                <a:hlinkClick r:id="rId6"/>
-              </a:rPr>
-              <a:t>://hpi.de/friedrich/docs/paper/RE1.pdf</a:t>
-            </a:r>
-            <a:endParaRPr lang="en-GB" dirty="0" smtClean="0"/>
-          </a:p>
-          <a:p>
-            <a:endParaRPr lang="en-GB" dirty="0"/>
+              <a:rPr lang="en-US" dirty="0" smtClean="0"/>
+              <a:t>The probabilities we have are,</a:t>
+            </a:r>
+            <a:endParaRPr lang="en-US" dirty="0"/>
+          </a:p>
+          <a:p>
+            <a:pPr lvl="1"/>
+            <a:r>
+              <a:rPr lang="en-US" dirty="0" smtClean="0"/>
+              <a:t>Individual power plant </a:t>
+            </a:r>
+          </a:p>
+          <a:p>
+            <a:pPr marL="402336" lvl="1" indent="0">
+              <a:buNone/>
+            </a:pPr>
+            <a:endParaRPr lang="en-US" dirty="0" smtClean="0"/>
+          </a:p>
+          <a:p>
+            <a:pPr lvl="1"/>
+            <a:r>
+              <a:rPr lang="en-US" dirty="0" smtClean="0"/>
+              <a:t>The state matrix</a:t>
+            </a:r>
+          </a:p>
+          <a:p>
+            <a:pPr lvl="1"/>
+            <a:endParaRPr lang="en-US" dirty="0" smtClean="0"/>
+          </a:p>
+          <a:p>
+            <a:pPr lvl="1"/>
+            <a:r>
+              <a:rPr lang="en-US" dirty="0" smtClean="0"/>
+              <a:t>The hidden parameter matrix </a:t>
+            </a:r>
+          </a:p>
+          <a:p>
+            <a:pPr marL="402336" lvl="1" indent="0">
+              <a:buNone/>
+            </a:pPr>
+            <a:endParaRPr lang="en-US" dirty="0" smtClean="0"/>
+          </a:p>
+          <a:p>
+            <a:pPr lvl="1"/>
+            <a:r>
+              <a:rPr lang="en-US" dirty="0" smtClean="0"/>
+              <a:t>Observation matrix </a:t>
+            </a:r>
           </a:p>
         </p:txBody>
       </p:sp>
     </p:spTree>
     <p:extLst>
       <p:ext uri="{BB962C8B-B14F-4D97-AF65-F5344CB8AC3E}">
-        <p14:creationId xmlns:p14="http://schemas.microsoft.com/office/powerpoint/2010/main" val="694253404"/>
+        <p14:creationId xmlns:p14="http://schemas.microsoft.com/office/powerpoint/2010/main" val="3912091084"/>
       </p:ext>
     </p:extLst>
   </p:cSld>
   <p:clrMapOvr>
     <a:masterClrMapping/>
   </p:clrMapOvr>
-  <p:timing>
-    <p:tnLst>
-      <p:par>
-        <p:cTn id="1" dur="indefinite" restart="never" nodeType="tmRoot"/>
-      </p:par>
-    </p:tnLst>
-  </p:timing>
 </p:sld>
 </file>
 
